--- a/kristi_herman_case_study_2_DDSAnalytics.pptx
+++ b/kristi_herman_case_study_2_DDSAnalytics.pptx
@@ -581,6 +581,426 @@
 </p:notes>
 </file>
 
+<file path=ppt/notesSlides/notesSlide10.xml><?xml version="1.0" encoding="utf-8"?>
+<p:notes xmlns:a="http://schemas.openxmlformats.org/drawingml/2006/main" xmlns:r="http://schemas.openxmlformats.org/officeDocument/2006/relationships" xmlns:p="http://schemas.openxmlformats.org/presentationml/2006/main">
+  <p:cSld>
+    <p:spTree>
+      <p:nvGrpSpPr>
+        <p:cNvPr id="1" name=""/>
+        <p:cNvGrpSpPr/>
+        <p:nvPr/>
+      </p:nvGrpSpPr>
+      <p:grpSpPr>
+        <a:xfrm>
+          <a:off x="0" y="0"/>
+          <a:ext cx="0" cy="0"/>
+          <a:chOff x="0" y="0"/>
+          <a:chExt cx="0" cy="0"/>
+        </a:xfrm>
+      </p:grpSpPr>
+      <p:sp>
+        <p:nvSpPr>
+          <p:cNvPr id="2" name="Slide Image Placeholder 1"/>
+          <p:cNvSpPr>
+            <a:spLocks noGrp="1" noRot="1" noChangeAspect="1"/>
+          </p:cNvSpPr>
+          <p:nvPr>
+            <p:ph type="sldImg"/>
+          </p:nvPr>
+        </p:nvSpPr>
+        <p:spPr/>
+      </p:sp>
+      <p:sp>
+        <p:nvSpPr>
+          <p:cNvPr id="3" name="Notes Placeholder 2"/>
+          <p:cNvSpPr>
+            <a:spLocks noGrp="1"/>
+          </p:cNvSpPr>
+          <p:nvPr>
+            <p:ph type="body" idx="1"/>
+          </p:nvPr>
+        </p:nvSpPr>
+        <p:spPr/>
+        <p:txBody>
+          <a:bodyPr/>
+          <a:lstStyle/>
+          <a:p>
+            <a:endParaRPr lang="en-US"/>
+          </a:p>
+        </p:txBody>
+      </p:sp>
+      <p:sp>
+        <p:nvSpPr>
+          <p:cNvPr id="4" name="Slide Number Placeholder 3"/>
+          <p:cNvSpPr>
+            <a:spLocks noGrp="1"/>
+          </p:cNvSpPr>
+          <p:nvPr>
+            <p:ph type="sldNum" sz="quarter" idx="5"/>
+          </p:nvPr>
+        </p:nvSpPr>
+        <p:spPr/>
+        <p:txBody>
+          <a:bodyPr/>
+          <a:lstStyle/>
+          <a:p>
+            <a:fld id="{21F752C1-6217-400C-96A2-4491957AC0DB}" type="slidenum">
+              <a:rPr lang="en-US" smtClean="0"/>
+              <a:t>10</a:t>
+            </a:fld>
+            <a:endParaRPr lang="en-US"/>
+          </a:p>
+        </p:txBody>
+      </p:sp>
+    </p:spTree>
+    <p:extLst>
+      <p:ext uri="{BB962C8B-B14F-4D97-AF65-F5344CB8AC3E}">
+        <p14:creationId xmlns:p14="http://schemas.microsoft.com/office/powerpoint/2010/main" val="2668807629"/>
+      </p:ext>
+    </p:extLst>
+  </p:cSld>
+  <p:clrMapOvr>
+    <a:masterClrMapping/>
+  </p:clrMapOvr>
+</p:notes>
+</file>
+
+<file path=ppt/notesSlides/notesSlide11.xml><?xml version="1.0" encoding="utf-8"?>
+<p:notes xmlns:a="http://schemas.openxmlformats.org/drawingml/2006/main" xmlns:r="http://schemas.openxmlformats.org/officeDocument/2006/relationships" xmlns:p="http://schemas.openxmlformats.org/presentationml/2006/main">
+  <p:cSld>
+    <p:spTree>
+      <p:nvGrpSpPr>
+        <p:cNvPr id="1" name=""/>
+        <p:cNvGrpSpPr/>
+        <p:nvPr/>
+      </p:nvGrpSpPr>
+      <p:grpSpPr>
+        <a:xfrm>
+          <a:off x="0" y="0"/>
+          <a:ext cx="0" cy="0"/>
+          <a:chOff x="0" y="0"/>
+          <a:chExt cx="0" cy="0"/>
+        </a:xfrm>
+      </p:grpSpPr>
+      <p:sp>
+        <p:nvSpPr>
+          <p:cNvPr id="2" name="Slide Image Placeholder 1"/>
+          <p:cNvSpPr>
+            <a:spLocks noGrp="1" noRot="1" noChangeAspect="1"/>
+          </p:cNvSpPr>
+          <p:nvPr>
+            <p:ph type="sldImg"/>
+          </p:nvPr>
+        </p:nvSpPr>
+        <p:spPr/>
+      </p:sp>
+      <p:sp>
+        <p:nvSpPr>
+          <p:cNvPr id="3" name="Notes Placeholder 2"/>
+          <p:cNvSpPr>
+            <a:spLocks noGrp="1"/>
+          </p:cNvSpPr>
+          <p:nvPr>
+            <p:ph type="body" idx="1"/>
+          </p:nvPr>
+        </p:nvSpPr>
+        <p:spPr/>
+        <p:txBody>
+          <a:bodyPr/>
+          <a:lstStyle/>
+          <a:p>
+            <a:endParaRPr lang="en-US"/>
+          </a:p>
+        </p:txBody>
+      </p:sp>
+      <p:sp>
+        <p:nvSpPr>
+          <p:cNvPr id="4" name="Slide Number Placeholder 3"/>
+          <p:cNvSpPr>
+            <a:spLocks noGrp="1"/>
+          </p:cNvSpPr>
+          <p:nvPr>
+            <p:ph type="sldNum" sz="quarter" idx="5"/>
+          </p:nvPr>
+        </p:nvSpPr>
+        <p:spPr/>
+        <p:txBody>
+          <a:bodyPr/>
+          <a:lstStyle/>
+          <a:p>
+            <a:fld id="{21F752C1-6217-400C-96A2-4491957AC0DB}" type="slidenum">
+              <a:rPr lang="en-US" smtClean="0"/>
+              <a:t>11</a:t>
+            </a:fld>
+            <a:endParaRPr lang="en-US"/>
+          </a:p>
+        </p:txBody>
+      </p:sp>
+    </p:spTree>
+    <p:extLst>
+      <p:ext uri="{BB962C8B-B14F-4D97-AF65-F5344CB8AC3E}">
+        <p14:creationId xmlns:p14="http://schemas.microsoft.com/office/powerpoint/2010/main" val="2710381971"/>
+      </p:ext>
+    </p:extLst>
+  </p:cSld>
+  <p:clrMapOvr>
+    <a:masterClrMapping/>
+  </p:clrMapOvr>
+</p:notes>
+</file>
+
+<file path=ppt/notesSlides/notesSlide12.xml><?xml version="1.0" encoding="utf-8"?>
+<p:notes xmlns:a="http://schemas.openxmlformats.org/drawingml/2006/main" xmlns:r="http://schemas.openxmlformats.org/officeDocument/2006/relationships" xmlns:p="http://schemas.openxmlformats.org/presentationml/2006/main">
+  <p:cSld>
+    <p:spTree>
+      <p:nvGrpSpPr>
+        <p:cNvPr id="1" name=""/>
+        <p:cNvGrpSpPr/>
+        <p:nvPr/>
+      </p:nvGrpSpPr>
+      <p:grpSpPr>
+        <a:xfrm>
+          <a:off x="0" y="0"/>
+          <a:ext cx="0" cy="0"/>
+          <a:chOff x="0" y="0"/>
+          <a:chExt cx="0" cy="0"/>
+        </a:xfrm>
+      </p:grpSpPr>
+      <p:sp>
+        <p:nvSpPr>
+          <p:cNvPr id="2" name="Slide Image Placeholder 1"/>
+          <p:cNvSpPr>
+            <a:spLocks noGrp="1" noRot="1" noChangeAspect="1"/>
+          </p:cNvSpPr>
+          <p:nvPr>
+            <p:ph type="sldImg"/>
+          </p:nvPr>
+        </p:nvSpPr>
+        <p:spPr/>
+      </p:sp>
+      <p:sp>
+        <p:nvSpPr>
+          <p:cNvPr id="3" name="Notes Placeholder 2"/>
+          <p:cNvSpPr>
+            <a:spLocks noGrp="1"/>
+          </p:cNvSpPr>
+          <p:nvPr>
+            <p:ph type="body" idx="1"/>
+          </p:nvPr>
+        </p:nvSpPr>
+        <p:spPr/>
+        <p:txBody>
+          <a:bodyPr/>
+          <a:lstStyle/>
+          <a:p>
+            <a:endParaRPr lang="en-US"/>
+          </a:p>
+        </p:txBody>
+      </p:sp>
+      <p:sp>
+        <p:nvSpPr>
+          <p:cNvPr id="4" name="Slide Number Placeholder 3"/>
+          <p:cNvSpPr>
+            <a:spLocks noGrp="1"/>
+          </p:cNvSpPr>
+          <p:nvPr>
+            <p:ph type="sldNum" sz="quarter" idx="5"/>
+          </p:nvPr>
+        </p:nvSpPr>
+        <p:spPr/>
+        <p:txBody>
+          <a:bodyPr/>
+          <a:lstStyle/>
+          <a:p>
+            <a:fld id="{21F752C1-6217-400C-96A2-4491957AC0DB}" type="slidenum">
+              <a:rPr lang="en-US" smtClean="0"/>
+              <a:t>12</a:t>
+            </a:fld>
+            <a:endParaRPr lang="en-US"/>
+          </a:p>
+        </p:txBody>
+      </p:sp>
+    </p:spTree>
+    <p:extLst>
+      <p:ext uri="{BB962C8B-B14F-4D97-AF65-F5344CB8AC3E}">
+        <p14:creationId xmlns:p14="http://schemas.microsoft.com/office/powerpoint/2010/main" val="1244037260"/>
+      </p:ext>
+    </p:extLst>
+  </p:cSld>
+  <p:clrMapOvr>
+    <a:masterClrMapping/>
+  </p:clrMapOvr>
+</p:notes>
+</file>
+
+<file path=ppt/notesSlides/notesSlide13.xml><?xml version="1.0" encoding="utf-8"?>
+<p:notes xmlns:a="http://schemas.openxmlformats.org/drawingml/2006/main" xmlns:r="http://schemas.openxmlformats.org/officeDocument/2006/relationships" xmlns:p="http://schemas.openxmlformats.org/presentationml/2006/main">
+  <p:cSld>
+    <p:spTree>
+      <p:nvGrpSpPr>
+        <p:cNvPr id="1" name=""/>
+        <p:cNvGrpSpPr/>
+        <p:nvPr/>
+      </p:nvGrpSpPr>
+      <p:grpSpPr>
+        <a:xfrm>
+          <a:off x="0" y="0"/>
+          <a:ext cx="0" cy="0"/>
+          <a:chOff x="0" y="0"/>
+          <a:chExt cx="0" cy="0"/>
+        </a:xfrm>
+      </p:grpSpPr>
+      <p:sp>
+        <p:nvSpPr>
+          <p:cNvPr id="2" name="Slide Image Placeholder 1"/>
+          <p:cNvSpPr>
+            <a:spLocks noGrp="1" noRot="1" noChangeAspect="1"/>
+          </p:cNvSpPr>
+          <p:nvPr>
+            <p:ph type="sldImg"/>
+          </p:nvPr>
+        </p:nvSpPr>
+        <p:spPr/>
+      </p:sp>
+      <p:sp>
+        <p:nvSpPr>
+          <p:cNvPr id="3" name="Notes Placeholder 2"/>
+          <p:cNvSpPr>
+            <a:spLocks noGrp="1"/>
+          </p:cNvSpPr>
+          <p:nvPr>
+            <p:ph type="body" idx="1"/>
+          </p:nvPr>
+        </p:nvSpPr>
+        <p:spPr/>
+        <p:txBody>
+          <a:bodyPr/>
+          <a:lstStyle/>
+          <a:p>
+            <a:endParaRPr lang="en-US"/>
+          </a:p>
+        </p:txBody>
+      </p:sp>
+      <p:sp>
+        <p:nvSpPr>
+          <p:cNvPr id="4" name="Slide Number Placeholder 3"/>
+          <p:cNvSpPr>
+            <a:spLocks noGrp="1"/>
+          </p:cNvSpPr>
+          <p:nvPr>
+            <p:ph type="sldNum" sz="quarter" idx="5"/>
+          </p:nvPr>
+        </p:nvSpPr>
+        <p:spPr/>
+        <p:txBody>
+          <a:bodyPr/>
+          <a:lstStyle/>
+          <a:p>
+            <a:fld id="{21F752C1-6217-400C-96A2-4491957AC0DB}" type="slidenum">
+              <a:rPr lang="en-US" smtClean="0"/>
+              <a:t>13</a:t>
+            </a:fld>
+            <a:endParaRPr lang="en-US"/>
+          </a:p>
+        </p:txBody>
+      </p:sp>
+    </p:spTree>
+    <p:extLst>
+      <p:ext uri="{BB962C8B-B14F-4D97-AF65-F5344CB8AC3E}">
+        <p14:creationId xmlns:p14="http://schemas.microsoft.com/office/powerpoint/2010/main" val="2798461616"/>
+      </p:ext>
+    </p:extLst>
+  </p:cSld>
+  <p:clrMapOvr>
+    <a:masterClrMapping/>
+  </p:clrMapOvr>
+</p:notes>
+</file>
+
+<file path=ppt/notesSlides/notesSlide14.xml><?xml version="1.0" encoding="utf-8"?>
+<p:notes xmlns:a="http://schemas.openxmlformats.org/drawingml/2006/main" xmlns:r="http://schemas.openxmlformats.org/officeDocument/2006/relationships" xmlns:p="http://schemas.openxmlformats.org/presentationml/2006/main">
+  <p:cSld>
+    <p:spTree>
+      <p:nvGrpSpPr>
+        <p:cNvPr id="1" name=""/>
+        <p:cNvGrpSpPr/>
+        <p:nvPr/>
+      </p:nvGrpSpPr>
+      <p:grpSpPr>
+        <a:xfrm>
+          <a:off x="0" y="0"/>
+          <a:ext cx="0" cy="0"/>
+          <a:chOff x="0" y="0"/>
+          <a:chExt cx="0" cy="0"/>
+        </a:xfrm>
+      </p:grpSpPr>
+      <p:sp>
+        <p:nvSpPr>
+          <p:cNvPr id="2" name="Slide Image Placeholder 1"/>
+          <p:cNvSpPr>
+            <a:spLocks noGrp="1" noRot="1" noChangeAspect="1"/>
+          </p:cNvSpPr>
+          <p:nvPr>
+            <p:ph type="sldImg"/>
+          </p:nvPr>
+        </p:nvSpPr>
+        <p:spPr/>
+      </p:sp>
+      <p:sp>
+        <p:nvSpPr>
+          <p:cNvPr id="3" name="Notes Placeholder 2"/>
+          <p:cNvSpPr>
+            <a:spLocks noGrp="1"/>
+          </p:cNvSpPr>
+          <p:nvPr>
+            <p:ph type="body" idx="1"/>
+          </p:nvPr>
+        </p:nvSpPr>
+        <p:spPr/>
+        <p:txBody>
+          <a:bodyPr/>
+          <a:lstStyle/>
+          <a:p>
+            <a:endParaRPr lang="en-US"/>
+          </a:p>
+        </p:txBody>
+      </p:sp>
+      <p:sp>
+        <p:nvSpPr>
+          <p:cNvPr id="4" name="Slide Number Placeholder 3"/>
+          <p:cNvSpPr>
+            <a:spLocks noGrp="1"/>
+          </p:cNvSpPr>
+          <p:nvPr>
+            <p:ph type="sldNum" sz="quarter" idx="5"/>
+          </p:nvPr>
+        </p:nvSpPr>
+        <p:spPr/>
+        <p:txBody>
+          <a:bodyPr/>
+          <a:lstStyle/>
+          <a:p>
+            <a:fld id="{21F752C1-6217-400C-96A2-4491957AC0DB}" type="slidenum">
+              <a:rPr lang="en-US" smtClean="0"/>
+              <a:t>14</a:t>
+            </a:fld>
+            <a:endParaRPr lang="en-US"/>
+          </a:p>
+        </p:txBody>
+      </p:sp>
+    </p:spTree>
+    <p:extLst>
+      <p:ext uri="{BB962C8B-B14F-4D97-AF65-F5344CB8AC3E}">
+        <p14:creationId xmlns:p14="http://schemas.microsoft.com/office/powerpoint/2010/main" val="2734921825"/>
+      </p:ext>
+    </p:extLst>
+  </p:cSld>
+  <p:clrMapOvr>
+    <a:masterClrMapping/>
+  </p:clrMapOvr>
+</p:notes>
+</file>
+
 <file path=ppt/notesSlides/notesSlide2.xml><?xml version="1.0" encoding="utf-8"?>
 <p:notes xmlns:a="http://schemas.openxmlformats.org/drawingml/2006/main" xmlns:r="http://schemas.openxmlformats.org/officeDocument/2006/relationships" xmlns:p="http://schemas.openxmlformats.org/presentationml/2006/main">
   <p:cSld>
@@ -740,6 +1160,510 @@
     <p:extLst>
       <p:ext uri="{BB962C8B-B14F-4D97-AF65-F5344CB8AC3E}">
         <p14:creationId xmlns:p14="http://schemas.microsoft.com/office/powerpoint/2010/main" val="89854261"/>
+      </p:ext>
+    </p:extLst>
+  </p:cSld>
+  <p:clrMapOvr>
+    <a:masterClrMapping/>
+  </p:clrMapOvr>
+</p:notes>
+</file>
+
+<file path=ppt/notesSlides/notesSlide4.xml><?xml version="1.0" encoding="utf-8"?>
+<p:notes xmlns:a="http://schemas.openxmlformats.org/drawingml/2006/main" xmlns:r="http://schemas.openxmlformats.org/officeDocument/2006/relationships" xmlns:p="http://schemas.openxmlformats.org/presentationml/2006/main">
+  <p:cSld>
+    <p:spTree>
+      <p:nvGrpSpPr>
+        <p:cNvPr id="1" name=""/>
+        <p:cNvGrpSpPr/>
+        <p:nvPr/>
+      </p:nvGrpSpPr>
+      <p:grpSpPr>
+        <a:xfrm>
+          <a:off x="0" y="0"/>
+          <a:ext cx="0" cy="0"/>
+          <a:chOff x="0" y="0"/>
+          <a:chExt cx="0" cy="0"/>
+        </a:xfrm>
+      </p:grpSpPr>
+      <p:sp>
+        <p:nvSpPr>
+          <p:cNvPr id="2" name="Slide Image Placeholder 1"/>
+          <p:cNvSpPr>
+            <a:spLocks noGrp="1" noRot="1" noChangeAspect="1"/>
+          </p:cNvSpPr>
+          <p:nvPr>
+            <p:ph type="sldImg"/>
+          </p:nvPr>
+        </p:nvSpPr>
+        <p:spPr/>
+      </p:sp>
+      <p:sp>
+        <p:nvSpPr>
+          <p:cNvPr id="3" name="Notes Placeholder 2"/>
+          <p:cNvSpPr>
+            <a:spLocks noGrp="1"/>
+          </p:cNvSpPr>
+          <p:nvPr>
+            <p:ph type="body" idx="1"/>
+          </p:nvPr>
+        </p:nvSpPr>
+        <p:spPr/>
+        <p:txBody>
+          <a:bodyPr/>
+          <a:lstStyle/>
+          <a:p>
+            <a:endParaRPr lang="en-US"/>
+          </a:p>
+        </p:txBody>
+      </p:sp>
+      <p:sp>
+        <p:nvSpPr>
+          <p:cNvPr id="4" name="Slide Number Placeholder 3"/>
+          <p:cNvSpPr>
+            <a:spLocks noGrp="1"/>
+          </p:cNvSpPr>
+          <p:nvPr>
+            <p:ph type="sldNum" sz="quarter" idx="5"/>
+          </p:nvPr>
+        </p:nvSpPr>
+        <p:spPr/>
+        <p:txBody>
+          <a:bodyPr/>
+          <a:lstStyle/>
+          <a:p>
+            <a:fld id="{21F752C1-6217-400C-96A2-4491957AC0DB}" type="slidenum">
+              <a:rPr lang="en-US" smtClean="0"/>
+              <a:t>4</a:t>
+            </a:fld>
+            <a:endParaRPr lang="en-US"/>
+          </a:p>
+        </p:txBody>
+      </p:sp>
+    </p:spTree>
+    <p:extLst>
+      <p:ext uri="{BB962C8B-B14F-4D97-AF65-F5344CB8AC3E}">
+        <p14:creationId xmlns:p14="http://schemas.microsoft.com/office/powerpoint/2010/main" val="4039074848"/>
+      </p:ext>
+    </p:extLst>
+  </p:cSld>
+  <p:clrMapOvr>
+    <a:masterClrMapping/>
+  </p:clrMapOvr>
+</p:notes>
+</file>
+
+<file path=ppt/notesSlides/notesSlide5.xml><?xml version="1.0" encoding="utf-8"?>
+<p:notes xmlns:a="http://schemas.openxmlformats.org/drawingml/2006/main" xmlns:r="http://schemas.openxmlformats.org/officeDocument/2006/relationships" xmlns:p="http://schemas.openxmlformats.org/presentationml/2006/main">
+  <p:cSld>
+    <p:spTree>
+      <p:nvGrpSpPr>
+        <p:cNvPr id="1" name=""/>
+        <p:cNvGrpSpPr/>
+        <p:nvPr/>
+      </p:nvGrpSpPr>
+      <p:grpSpPr>
+        <a:xfrm>
+          <a:off x="0" y="0"/>
+          <a:ext cx="0" cy="0"/>
+          <a:chOff x="0" y="0"/>
+          <a:chExt cx="0" cy="0"/>
+        </a:xfrm>
+      </p:grpSpPr>
+      <p:sp>
+        <p:nvSpPr>
+          <p:cNvPr id="2" name="Slide Image Placeholder 1"/>
+          <p:cNvSpPr>
+            <a:spLocks noGrp="1" noRot="1" noChangeAspect="1"/>
+          </p:cNvSpPr>
+          <p:nvPr>
+            <p:ph type="sldImg"/>
+          </p:nvPr>
+        </p:nvSpPr>
+        <p:spPr/>
+      </p:sp>
+      <p:sp>
+        <p:nvSpPr>
+          <p:cNvPr id="3" name="Notes Placeholder 2"/>
+          <p:cNvSpPr>
+            <a:spLocks noGrp="1"/>
+          </p:cNvSpPr>
+          <p:nvPr>
+            <p:ph type="body" idx="1"/>
+          </p:nvPr>
+        </p:nvSpPr>
+        <p:spPr/>
+        <p:txBody>
+          <a:bodyPr/>
+          <a:lstStyle/>
+          <a:p>
+            <a:endParaRPr lang="en-US"/>
+          </a:p>
+        </p:txBody>
+      </p:sp>
+      <p:sp>
+        <p:nvSpPr>
+          <p:cNvPr id="4" name="Slide Number Placeholder 3"/>
+          <p:cNvSpPr>
+            <a:spLocks noGrp="1"/>
+          </p:cNvSpPr>
+          <p:nvPr>
+            <p:ph type="sldNum" sz="quarter" idx="5"/>
+          </p:nvPr>
+        </p:nvSpPr>
+        <p:spPr/>
+        <p:txBody>
+          <a:bodyPr/>
+          <a:lstStyle/>
+          <a:p>
+            <a:fld id="{21F752C1-6217-400C-96A2-4491957AC0DB}" type="slidenum">
+              <a:rPr lang="en-US" smtClean="0"/>
+              <a:t>5</a:t>
+            </a:fld>
+            <a:endParaRPr lang="en-US"/>
+          </a:p>
+        </p:txBody>
+      </p:sp>
+    </p:spTree>
+    <p:extLst>
+      <p:ext uri="{BB962C8B-B14F-4D97-AF65-F5344CB8AC3E}">
+        <p14:creationId xmlns:p14="http://schemas.microsoft.com/office/powerpoint/2010/main" val="1239663072"/>
+      </p:ext>
+    </p:extLst>
+  </p:cSld>
+  <p:clrMapOvr>
+    <a:masterClrMapping/>
+  </p:clrMapOvr>
+</p:notes>
+</file>
+
+<file path=ppt/notesSlides/notesSlide6.xml><?xml version="1.0" encoding="utf-8"?>
+<p:notes xmlns:a="http://schemas.openxmlformats.org/drawingml/2006/main" xmlns:r="http://schemas.openxmlformats.org/officeDocument/2006/relationships" xmlns:p="http://schemas.openxmlformats.org/presentationml/2006/main">
+  <p:cSld>
+    <p:spTree>
+      <p:nvGrpSpPr>
+        <p:cNvPr id="1" name=""/>
+        <p:cNvGrpSpPr/>
+        <p:nvPr/>
+      </p:nvGrpSpPr>
+      <p:grpSpPr>
+        <a:xfrm>
+          <a:off x="0" y="0"/>
+          <a:ext cx="0" cy="0"/>
+          <a:chOff x="0" y="0"/>
+          <a:chExt cx="0" cy="0"/>
+        </a:xfrm>
+      </p:grpSpPr>
+      <p:sp>
+        <p:nvSpPr>
+          <p:cNvPr id="2" name="Slide Image Placeholder 1"/>
+          <p:cNvSpPr>
+            <a:spLocks noGrp="1" noRot="1" noChangeAspect="1"/>
+          </p:cNvSpPr>
+          <p:nvPr>
+            <p:ph type="sldImg"/>
+          </p:nvPr>
+        </p:nvSpPr>
+        <p:spPr/>
+      </p:sp>
+      <p:sp>
+        <p:nvSpPr>
+          <p:cNvPr id="3" name="Notes Placeholder 2"/>
+          <p:cNvSpPr>
+            <a:spLocks noGrp="1"/>
+          </p:cNvSpPr>
+          <p:nvPr>
+            <p:ph type="body" idx="1"/>
+          </p:nvPr>
+        </p:nvSpPr>
+        <p:spPr/>
+        <p:txBody>
+          <a:bodyPr/>
+          <a:lstStyle/>
+          <a:p>
+            <a:endParaRPr lang="en-US"/>
+          </a:p>
+        </p:txBody>
+      </p:sp>
+      <p:sp>
+        <p:nvSpPr>
+          <p:cNvPr id="4" name="Slide Number Placeholder 3"/>
+          <p:cNvSpPr>
+            <a:spLocks noGrp="1"/>
+          </p:cNvSpPr>
+          <p:nvPr>
+            <p:ph type="sldNum" sz="quarter" idx="5"/>
+          </p:nvPr>
+        </p:nvSpPr>
+        <p:spPr/>
+        <p:txBody>
+          <a:bodyPr/>
+          <a:lstStyle/>
+          <a:p>
+            <a:fld id="{21F752C1-6217-400C-96A2-4491957AC0DB}" type="slidenum">
+              <a:rPr lang="en-US" smtClean="0"/>
+              <a:t>6</a:t>
+            </a:fld>
+            <a:endParaRPr lang="en-US"/>
+          </a:p>
+        </p:txBody>
+      </p:sp>
+    </p:spTree>
+    <p:extLst>
+      <p:ext uri="{BB962C8B-B14F-4D97-AF65-F5344CB8AC3E}">
+        <p14:creationId xmlns:p14="http://schemas.microsoft.com/office/powerpoint/2010/main" val="2122588246"/>
+      </p:ext>
+    </p:extLst>
+  </p:cSld>
+  <p:clrMapOvr>
+    <a:masterClrMapping/>
+  </p:clrMapOvr>
+</p:notes>
+</file>
+
+<file path=ppt/notesSlides/notesSlide7.xml><?xml version="1.0" encoding="utf-8"?>
+<p:notes xmlns:a="http://schemas.openxmlformats.org/drawingml/2006/main" xmlns:r="http://schemas.openxmlformats.org/officeDocument/2006/relationships" xmlns:p="http://schemas.openxmlformats.org/presentationml/2006/main">
+  <p:cSld>
+    <p:spTree>
+      <p:nvGrpSpPr>
+        <p:cNvPr id="1" name=""/>
+        <p:cNvGrpSpPr/>
+        <p:nvPr/>
+      </p:nvGrpSpPr>
+      <p:grpSpPr>
+        <a:xfrm>
+          <a:off x="0" y="0"/>
+          <a:ext cx="0" cy="0"/>
+          <a:chOff x="0" y="0"/>
+          <a:chExt cx="0" cy="0"/>
+        </a:xfrm>
+      </p:grpSpPr>
+      <p:sp>
+        <p:nvSpPr>
+          <p:cNvPr id="2" name="Slide Image Placeholder 1"/>
+          <p:cNvSpPr>
+            <a:spLocks noGrp="1" noRot="1" noChangeAspect="1"/>
+          </p:cNvSpPr>
+          <p:nvPr>
+            <p:ph type="sldImg"/>
+          </p:nvPr>
+        </p:nvSpPr>
+        <p:spPr/>
+      </p:sp>
+      <p:sp>
+        <p:nvSpPr>
+          <p:cNvPr id="3" name="Notes Placeholder 2"/>
+          <p:cNvSpPr>
+            <a:spLocks noGrp="1"/>
+          </p:cNvSpPr>
+          <p:nvPr>
+            <p:ph type="body" idx="1"/>
+          </p:nvPr>
+        </p:nvSpPr>
+        <p:spPr/>
+        <p:txBody>
+          <a:bodyPr/>
+          <a:lstStyle/>
+          <a:p>
+            <a:endParaRPr lang="en-US"/>
+          </a:p>
+        </p:txBody>
+      </p:sp>
+      <p:sp>
+        <p:nvSpPr>
+          <p:cNvPr id="4" name="Slide Number Placeholder 3"/>
+          <p:cNvSpPr>
+            <a:spLocks noGrp="1"/>
+          </p:cNvSpPr>
+          <p:nvPr>
+            <p:ph type="sldNum" sz="quarter" idx="5"/>
+          </p:nvPr>
+        </p:nvSpPr>
+        <p:spPr/>
+        <p:txBody>
+          <a:bodyPr/>
+          <a:lstStyle/>
+          <a:p>
+            <a:fld id="{21F752C1-6217-400C-96A2-4491957AC0DB}" type="slidenum">
+              <a:rPr lang="en-US" smtClean="0"/>
+              <a:t>7</a:t>
+            </a:fld>
+            <a:endParaRPr lang="en-US"/>
+          </a:p>
+        </p:txBody>
+      </p:sp>
+    </p:spTree>
+    <p:extLst>
+      <p:ext uri="{BB962C8B-B14F-4D97-AF65-F5344CB8AC3E}">
+        <p14:creationId xmlns:p14="http://schemas.microsoft.com/office/powerpoint/2010/main" val="970884259"/>
+      </p:ext>
+    </p:extLst>
+  </p:cSld>
+  <p:clrMapOvr>
+    <a:masterClrMapping/>
+  </p:clrMapOvr>
+</p:notes>
+</file>
+
+<file path=ppt/notesSlides/notesSlide8.xml><?xml version="1.0" encoding="utf-8"?>
+<p:notes xmlns:a="http://schemas.openxmlformats.org/drawingml/2006/main" xmlns:r="http://schemas.openxmlformats.org/officeDocument/2006/relationships" xmlns:p="http://schemas.openxmlformats.org/presentationml/2006/main">
+  <p:cSld>
+    <p:spTree>
+      <p:nvGrpSpPr>
+        <p:cNvPr id="1" name=""/>
+        <p:cNvGrpSpPr/>
+        <p:nvPr/>
+      </p:nvGrpSpPr>
+      <p:grpSpPr>
+        <a:xfrm>
+          <a:off x="0" y="0"/>
+          <a:ext cx="0" cy="0"/>
+          <a:chOff x="0" y="0"/>
+          <a:chExt cx="0" cy="0"/>
+        </a:xfrm>
+      </p:grpSpPr>
+      <p:sp>
+        <p:nvSpPr>
+          <p:cNvPr id="2" name="Slide Image Placeholder 1"/>
+          <p:cNvSpPr>
+            <a:spLocks noGrp="1" noRot="1" noChangeAspect="1"/>
+          </p:cNvSpPr>
+          <p:nvPr>
+            <p:ph type="sldImg"/>
+          </p:nvPr>
+        </p:nvSpPr>
+        <p:spPr/>
+      </p:sp>
+      <p:sp>
+        <p:nvSpPr>
+          <p:cNvPr id="3" name="Notes Placeholder 2"/>
+          <p:cNvSpPr>
+            <a:spLocks noGrp="1"/>
+          </p:cNvSpPr>
+          <p:nvPr>
+            <p:ph type="body" idx="1"/>
+          </p:nvPr>
+        </p:nvSpPr>
+        <p:spPr/>
+        <p:txBody>
+          <a:bodyPr/>
+          <a:lstStyle/>
+          <a:p>
+            <a:endParaRPr lang="en-US"/>
+          </a:p>
+        </p:txBody>
+      </p:sp>
+      <p:sp>
+        <p:nvSpPr>
+          <p:cNvPr id="4" name="Slide Number Placeholder 3"/>
+          <p:cNvSpPr>
+            <a:spLocks noGrp="1"/>
+          </p:cNvSpPr>
+          <p:nvPr>
+            <p:ph type="sldNum" sz="quarter" idx="5"/>
+          </p:nvPr>
+        </p:nvSpPr>
+        <p:spPr/>
+        <p:txBody>
+          <a:bodyPr/>
+          <a:lstStyle/>
+          <a:p>
+            <a:fld id="{21F752C1-6217-400C-96A2-4491957AC0DB}" type="slidenum">
+              <a:rPr lang="en-US" smtClean="0"/>
+              <a:t>8</a:t>
+            </a:fld>
+            <a:endParaRPr lang="en-US"/>
+          </a:p>
+        </p:txBody>
+      </p:sp>
+    </p:spTree>
+    <p:extLst>
+      <p:ext uri="{BB962C8B-B14F-4D97-AF65-F5344CB8AC3E}">
+        <p14:creationId xmlns:p14="http://schemas.microsoft.com/office/powerpoint/2010/main" val="764378632"/>
+      </p:ext>
+    </p:extLst>
+  </p:cSld>
+  <p:clrMapOvr>
+    <a:masterClrMapping/>
+  </p:clrMapOvr>
+</p:notes>
+</file>
+
+<file path=ppt/notesSlides/notesSlide9.xml><?xml version="1.0" encoding="utf-8"?>
+<p:notes xmlns:a="http://schemas.openxmlformats.org/drawingml/2006/main" xmlns:r="http://schemas.openxmlformats.org/officeDocument/2006/relationships" xmlns:p="http://schemas.openxmlformats.org/presentationml/2006/main">
+  <p:cSld>
+    <p:spTree>
+      <p:nvGrpSpPr>
+        <p:cNvPr id="1" name=""/>
+        <p:cNvGrpSpPr/>
+        <p:nvPr/>
+      </p:nvGrpSpPr>
+      <p:grpSpPr>
+        <a:xfrm>
+          <a:off x="0" y="0"/>
+          <a:ext cx="0" cy="0"/>
+          <a:chOff x="0" y="0"/>
+          <a:chExt cx="0" cy="0"/>
+        </a:xfrm>
+      </p:grpSpPr>
+      <p:sp>
+        <p:nvSpPr>
+          <p:cNvPr id="2" name="Slide Image Placeholder 1"/>
+          <p:cNvSpPr>
+            <a:spLocks noGrp="1" noRot="1" noChangeAspect="1"/>
+          </p:cNvSpPr>
+          <p:nvPr>
+            <p:ph type="sldImg"/>
+          </p:nvPr>
+        </p:nvSpPr>
+        <p:spPr/>
+      </p:sp>
+      <p:sp>
+        <p:nvSpPr>
+          <p:cNvPr id="3" name="Notes Placeholder 2"/>
+          <p:cNvSpPr>
+            <a:spLocks noGrp="1"/>
+          </p:cNvSpPr>
+          <p:nvPr>
+            <p:ph type="body" idx="1"/>
+          </p:nvPr>
+        </p:nvSpPr>
+        <p:spPr/>
+        <p:txBody>
+          <a:bodyPr/>
+          <a:lstStyle/>
+          <a:p>
+            <a:endParaRPr lang="en-US"/>
+          </a:p>
+        </p:txBody>
+      </p:sp>
+      <p:sp>
+        <p:nvSpPr>
+          <p:cNvPr id="4" name="Slide Number Placeholder 3"/>
+          <p:cNvSpPr>
+            <a:spLocks noGrp="1"/>
+          </p:cNvSpPr>
+          <p:nvPr>
+            <p:ph type="sldNum" sz="quarter" idx="5"/>
+          </p:nvPr>
+        </p:nvSpPr>
+        <p:spPr/>
+        <p:txBody>
+          <a:bodyPr/>
+          <a:lstStyle/>
+          <a:p>
+            <a:fld id="{21F752C1-6217-400C-96A2-4491957AC0DB}" type="slidenum">
+              <a:rPr lang="en-US" smtClean="0"/>
+              <a:t>9</a:t>
+            </a:fld>
+            <a:endParaRPr lang="en-US"/>
+          </a:p>
+        </p:txBody>
+      </p:sp>
+    </p:spTree>
+    <p:extLst>
+      <p:ext uri="{BB962C8B-B14F-4D97-AF65-F5344CB8AC3E}">
+        <p14:creationId xmlns:p14="http://schemas.microsoft.com/office/powerpoint/2010/main" val="1343578543"/>
       </p:ext>
     </p:extLst>
   </p:cSld>
@@ -4129,7 +5053,7 @@
           <p:nvPr/>
         </p:nvPicPr>
         <p:blipFill>
-          <a:blip r:embed="rId2">
+          <a:blip r:embed="rId3">
             <a:extLst>
               <a:ext uri="{28A0092B-C50C-407E-A947-70E740481C1C}">
                 <a14:useLocalDpi xmlns:a14="http://schemas.microsoft.com/office/drawing/2010/main" val="0"/>
@@ -4265,7 +5189,7 @@
           <p:nvPr/>
         </p:nvPicPr>
         <p:blipFill>
-          <a:blip r:embed="rId3"/>
+          <a:blip r:embed="rId4"/>
           <a:stretch>
             <a:fillRect/>
           </a:stretch>
@@ -4477,7 +5401,7 @@
           <p:nvPr/>
         </p:nvPicPr>
         <p:blipFill>
-          <a:blip r:embed="rId2">
+          <a:blip r:embed="rId3">
             <a:extLst>
               <a:ext uri="{28A0092B-C50C-407E-A947-70E740481C1C}">
                 <a14:useLocalDpi xmlns:a14="http://schemas.microsoft.com/office/drawing/2010/main" val="0"/>
@@ -4557,7 +5481,7 @@
           <p:nvPr/>
         </p:nvPicPr>
         <p:blipFill rotWithShape="1">
-          <a:blip r:embed="rId3"/>
+          <a:blip r:embed="rId4"/>
           <a:srcRect b="1411"/>
           <a:stretch/>
         </p:blipFill>
@@ -4702,7 +5626,7 @@
           <p:nvPr/>
         </p:nvPicPr>
         <p:blipFill>
-          <a:blip r:embed="rId4"/>
+          <a:blip r:embed="rId5"/>
           <a:stretch>
             <a:fillRect/>
           </a:stretch>
@@ -4974,7 +5898,7 @@
           <p:nvPr/>
         </p:nvPicPr>
         <p:blipFill>
-          <a:blip r:embed="rId2">
+          <a:blip r:embed="rId3">
             <a:extLst>
               <a:ext uri="{28A0092B-C50C-407E-A947-70E740481C1C}">
                 <a14:useLocalDpi xmlns:a14="http://schemas.microsoft.com/office/drawing/2010/main" val="0"/>
@@ -5124,7 +6048,7 @@
           <p:nvPr/>
         </p:nvPicPr>
         <p:blipFill>
-          <a:blip r:embed="rId3"/>
+          <a:blip r:embed="rId4"/>
           <a:stretch>
             <a:fillRect/>
           </a:stretch>
@@ -5154,7 +6078,7 @@
           <p:nvPr/>
         </p:nvPicPr>
         <p:blipFill rotWithShape="1">
-          <a:blip r:embed="rId4"/>
+          <a:blip r:embed="rId5"/>
           <a:srcRect t="89707"/>
           <a:stretch/>
         </p:blipFill>
@@ -5272,7 +6196,7 @@
           <p:nvPr/>
         </p:nvPicPr>
         <p:blipFill>
-          <a:blip r:embed="rId2">
+          <a:blip r:embed="rId3">
             <a:extLst>
               <a:ext uri="{28A0092B-C50C-407E-A947-70E740481C1C}">
                 <a14:useLocalDpi xmlns:a14="http://schemas.microsoft.com/office/drawing/2010/main" val="0"/>
@@ -5378,7 +6302,7 @@
                 </a:solidFill>
                 <a:latin typeface="+mj-lt"/>
               </a:rPr>
-              <a:t>While higher salaries do not equate to higher job satisfaction, the highest paying jobs do have the lowest attrition rates.  </a:t>
+              <a:t>While higher salaries do not necessarily equate to higher job satisfaction, the highest paying jobs do have the lowest attrition rates.  </a:t>
             </a:r>
           </a:p>
           <a:p>
@@ -5579,7 +6503,7 @@
           <p:nvPr/>
         </p:nvPicPr>
         <p:blipFill rotWithShape="1">
-          <a:blip r:embed="rId3"/>
+          <a:blip r:embed="rId4"/>
           <a:srcRect r="17246"/>
           <a:stretch/>
         </p:blipFill>
@@ -5616,7 +6540,7 @@
           <p:nvPr/>
         </p:nvPicPr>
         <p:blipFill rotWithShape="1">
-          <a:blip r:embed="rId4">
+          <a:blip r:embed="rId5">
             <a:alphaModFix amt="91000"/>
           </a:blip>
           <a:srcRect l="60042" t="30156"/>
@@ -5783,7 +6707,7 @@
     <p:bg>
       <p:bgPr>
         <a:blipFill dpi="0" rotWithShape="1">
-          <a:blip r:embed="rId2">
+          <a:blip r:embed="rId3">
             <a:alphaModFix amt="53000"/>
             <a:lum/>
           </a:blip>
@@ -6019,7 +6943,7 @@
         <p:spPr>
           <a:xfrm>
             <a:off x="497711" y="1184613"/>
-            <a:ext cx="6212990" cy="5816977"/>
+            <a:ext cx="6212990" cy="5970865"/>
           </a:xfrm>
           <a:prstGeom prst="rect">
             <a:avLst/>
@@ -6108,6 +7032,32 @@
               </a:rPr>
               <a:t>YouTube Link</a:t>
             </a:r>
+          </a:p>
+          <a:p>
+            <a:pPr>
+              <a:defRPr/>
+            </a:pPr>
+            <a:r>
+              <a:rPr lang="en-US" altLang="en-US" sz="1400" u="sng" dirty="0">
+                <a:solidFill>
+                  <a:srgbClr val="0000FF"/>
+                </a:solidFill>
+                <a:latin typeface="Arial Unicode MS"/>
+                <a:ea typeface="Times New Roman" panose="02020603050405020304" pitchFamily="18" charset="0"/>
+                <a:cs typeface="Courier New" panose="02070309020205020404" pitchFamily="49" charset="0"/>
+                <a:hlinkClick r:id="rId4"/>
+              </a:rPr>
+              <a:t>https://youtu.be/B3NS19GLUCk</a:t>
+            </a:r>
+            <a:endParaRPr lang="en-US" sz="1400" dirty="0">
+              <a:solidFill>
+                <a:schemeClr val="tx1">
+                  <a:lumMod val="65000"/>
+                  <a:lumOff val="35000"/>
+                </a:schemeClr>
+              </a:solidFill>
+              <a:latin typeface="+mj-lt"/>
+            </a:endParaRPr>
           </a:p>
           <a:p>
             <a:pPr marL="0" marR="0" lvl="0" indent="0" algn="l" defTabSz="457200" rtl="0" eaLnBrk="1" fontAlgn="auto" latinLnBrk="0" hangingPunct="1">
@@ -6193,7 +7143,7 @@
             </a:pPr>
             <a:r>
               <a:rPr lang="en-US" sz="1400" dirty="0">
-                <a:hlinkClick r:id="rId4"/>
+                <a:hlinkClick r:id="rId5"/>
               </a:rPr>
               <a:t>https://kristxh.github.io/</a:t>
             </a:r>
@@ -6255,7 +7205,7 @@
             </a:pPr>
             <a:r>
               <a:rPr lang="en-US" sz="1400" dirty="0">
-                <a:hlinkClick r:id="rId5"/>
+                <a:hlinkClick r:id="rId6"/>
               </a:rPr>
               <a:t>https://www.fritolay.com/about-frito-lay/our-people</a:t>
             </a:r>
@@ -6334,7 +7284,7 @@
             <a:pPr lvl="0"/>
             <a:r>
               <a:rPr lang="en-US" sz="1400" dirty="0">
-                <a:hlinkClick r:id="rId6"/>
+                <a:hlinkClick r:id="rId7"/>
               </a:rPr>
               <a:t>https://www.fritolay.com/</a:t>
             </a:r>
@@ -6665,6 +7615,123 @@
           </a:p>
         </p:txBody>
       </p:sp>
+      <p:sp>
+        <p:nvSpPr>
+          <p:cNvPr id="6" name="Rectangle 2">
+            <a:extLst>
+              <a:ext uri="{FF2B5EF4-FFF2-40B4-BE49-F238E27FC236}">
+                <a16:creationId xmlns:a16="http://schemas.microsoft.com/office/drawing/2014/main" id="{E291CD0E-92AB-4022-95CC-77E5AB1E97C7}"/>
+              </a:ext>
+            </a:extLst>
+          </p:cNvPr>
+          <p:cNvSpPr>
+            <a:spLocks noChangeArrowheads="1"/>
+          </p:cNvSpPr>
+          <p:nvPr/>
+        </p:nvSpPr>
+        <p:spPr bwMode="auto">
+          <a:xfrm>
+            <a:off x="0" y="-63787"/>
+            <a:ext cx="65" cy="584775"/>
+          </a:xfrm>
+          <a:prstGeom prst="rect">
+            <a:avLst/>
+          </a:prstGeom>
+          <a:solidFill>
+            <a:srgbClr val="FFFFFF"/>
+          </a:solidFill>
+          <a:ln>
+            <a:noFill/>
+          </a:ln>
+          <a:effectLst/>
+          <a:extLst>
+            <a:ext uri="{91240B29-F687-4F45-9708-019B960494DF}">
+              <a14:hiddenLine xmlns:a14="http://schemas.microsoft.com/office/drawing/2010/main" w="9525">
+                <a:solidFill>
+                  <a:schemeClr val="tx1"/>
+                </a:solidFill>
+                <a:miter lim="800000"/>
+                <a:headEnd/>
+                <a:tailEnd/>
+              </a14:hiddenLine>
+            </a:ext>
+            <a:ext uri="{AF507438-7753-43E0-B8FC-AC1667EBCBE1}">
+              <a14:hiddenEffects xmlns:a14="http://schemas.microsoft.com/office/drawing/2010/main">
+                <a:effectLst>
+                  <a:outerShdw dist="35921" dir="2700000" algn="ctr" rotWithShape="0">
+                    <a:schemeClr val="bg2"/>
+                  </a:outerShdw>
+                </a:effectLst>
+              </a14:hiddenEffects>
+            </a:ext>
+          </a:extLst>
+        </p:spPr>
+        <p:txBody>
+          <a:bodyPr vert="horz" wrap="none" lIns="0" tIns="0" rIns="0" bIns="0" numCol="1" anchor="ctr" anchorCtr="0" compatLnSpc="1">
+            <a:prstTxWarp prst="textNoShape">
+              <a:avLst/>
+            </a:prstTxWarp>
+            <a:spAutoFit/>
+          </a:bodyPr>
+          <a:lstStyle/>
+          <a:p>
+            <a:pPr marL="0" marR="0" lvl="0" indent="0" algn="l" defTabSz="914400" rtl="0" eaLnBrk="0" fontAlgn="base" latinLnBrk="0" hangingPunct="0">
+              <a:lnSpc>
+                <a:spcPct val="100000"/>
+              </a:lnSpc>
+              <a:spcBef>
+                <a:spcPct val="0"/>
+              </a:spcBef>
+              <a:spcAft>
+                <a:spcPct val="0"/>
+              </a:spcAft>
+              <a:buClrTx/>
+              <a:buSzTx/>
+              <a:buFontTx/>
+              <a:buNone/>
+              <a:tabLst/>
+            </a:pPr>
+            <a:br>
+              <a:rPr kumimoji="0" lang="en-US" altLang="en-US" sz="1000" b="0" i="0" u="sng" strike="noStrike" cap="none" normalizeH="0" baseline="0" dirty="0">
+                <a:ln>
+                  <a:noFill/>
+                </a:ln>
+                <a:solidFill>
+                  <a:srgbClr val="0000FF"/>
+                </a:solidFill>
+                <a:effectLst/>
+                <a:latin typeface="Arial Unicode MS"/>
+                <a:ea typeface="Times New Roman" panose="02020603050405020304" pitchFamily="18" charset="0"/>
+                <a:cs typeface="Courier New" panose="02070309020205020404" pitchFamily="49" charset="0"/>
+              </a:rPr>
+            </a:br>
+            <a:br>
+              <a:rPr kumimoji="0" lang="en-US" altLang="en-US" sz="1000" b="0" i="0" u="sng" strike="noStrike" cap="none" normalizeH="0" baseline="0" dirty="0">
+                <a:ln>
+                  <a:noFill/>
+                </a:ln>
+                <a:solidFill>
+                  <a:srgbClr val="0000FF"/>
+                </a:solidFill>
+                <a:effectLst/>
+                <a:latin typeface="Arial Unicode MS"/>
+                <a:ea typeface="Times New Roman" panose="02020603050405020304" pitchFamily="18" charset="0"/>
+                <a:cs typeface="Courier New" panose="02070309020205020404" pitchFamily="49" charset="0"/>
+              </a:rPr>
+            </a:br>
+            <a:endParaRPr kumimoji="0" lang="en-US" altLang="en-US" sz="1800" b="0" i="0" u="none" strike="noStrike" cap="none" normalizeH="0" baseline="0" dirty="0">
+              <a:ln>
+                <a:noFill/>
+              </a:ln>
+              <a:solidFill>
+                <a:schemeClr val="tx1"/>
+              </a:solidFill>
+              <a:effectLst/>
+              <a:latin typeface="Arial" panose="020B0604020202020204" pitchFamily="34" charset="0"/>
+            </a:endParaRPr>
+          </a:p>
+        </p:txBody>
+      </p:sp>
     </p:spTree>
     <p:extLst>
       <p:ext uri="{BB962C8B-B14F-4D97-AF65-F5344CB8AC3E}">
@@ -7624,7 +8691,7 @@
           <p:nvPr/>
         </p:nvPicPr>
         <p:blipFill>
-          <a:blip r:embed="rId2">
+          <a:blip r:embed="rId3">
             <a:extLst>
               <a:ext uri="{28A0092B-C50C-407E-A947-70E740481C1C}">
                 <a14:useLocalDpi xmlns:a14="http://schemas.microsoft.com/office/drawing/2010/main" val="0"/>
@@ -7752,7 +8819,7 @@
           <p:nvPr/>
         </p:nvPicPr>
         <p:blipFill>
-          <a:blip r:embed="rId3"/>
+          <a:blip r:embed="rId4"/>
           <a:stretch>
             <a:fillRect/>
           </a:stretch>
@@ -7912,7 +8979,7 @@
           <p:nvPr/>
         </p:nvPicPr>
         <p:blipFill>
-          <a:blip r:embed="rId2">
+          <a:blip r:embed="rId3">
             <a:extLst>
               <a:ext uri="{28A0092B-C50C-407E-A947-70E740481C1C}">
                 <a14:useLocalDpi xmlns:a14="http://schemas.microsoft.com/office/drawing/2010/main" val="0"/>
@@ -8035,7 +9102,7 @@
           <p:nvPr/>
         </p:nvPicPr>
         <p:blipFill>
-          <a:blip r:embed="rId3"/>
+          <a:blip r:embed="rId4"/>
           <a:stretch>
             <a:fillRect/>
           </a:stretch>
@@ -8072,7 +9139,7 @@
           <p:nvPr/>
         </p:nvPicPr>
         <p:blipFill>
-          <a:blip r:embed="rId4"/>
+          <a:blip r:embed="rId5"/>
           <a:stretch>
             <a:fillRect/>
           </a:stretch>
@@ -8109,7 +9176,7 @@
           <p:nvPr/>
         </p:nvPicPr>
         <p:blipFill>
-          <a:blip r:embed="rId5"/>
+          <a:blip r:embed="rId6"/>
           <a:stretch>
             <a:fillRect/>
           </a:stretch>
@@ -8363,6 +9430,58 @@
           <a:ln w="19050">
             <a:solidFill>
               <a:schemeClr val="accent6"/>
+            </a:solidFill>
+          </a:ln>
+        </p:spPr>
+        <p:style>
+          <a:lnRef idx="2">
+            <a:schemeClr val="accent1">
+              <a:shade val="50000"/>
+            </a:schemeClr>
+          </a:lnRef>
+          <a:fillRef idx="1">
+            <a:schemeClr val="accent1"/>
+          </a:fillRef>
+          <a:effectRef idx="0">
+            <a:schemeClr val="accent1"/>
+          </a:effectRef>
+          <a:fontRef idx="minor">
+            <a:schemeClr val="lt1"/>
+          </a:fontRef>
+        </p:style>
+        <p:txBody>
+          <a:bodyPr rtlCol="0" anchor="ctr"/>
+          <a:lstStyle/>
+          <a:p>
+            <a:pPr algn="ctr"/>
+            <a:endParaRPr lang="en-US"/>
+          </a:p>
+        </p:txBody>
+      </p:sp>
+      <p:sp>
+        <p:nvSpPr>
+          <p:cNvPr id="18" name="Rectangle 17">
+            <a:extLst>
+              <a:ext uri="{FF2B5EF4-FFF2-40B4-BE49-F238E27FC236}">
+                <a16:creationId xmlns:a16="http://schemas.microsoft.com/office/drawing/2014/main" id="{E2E20597-25A7-4F97-8205-8276E92B4A35}"/>
+              </a:ext>
+            </a:extLst>
+          </p:cNvPr>
+          <p:cNvSpPr/>
+          <p:nvPr/>
+        </p:nvSpPr>
+        <p:spPr>
+          <a:xfrm>
+            <a:off x="3818397" y="3036063"/>
+            <a:ext cx="402691" cy="391805"/>
+          </a:xfrm>
+          <a:prstGeom prst="rect">
+            <a:avLst/>
+          </a:prstGeom>
+          <a:noFill/>
+          <a:ln w="28575">
+            <a:solidFill>
+              <a:schemeClr val="accent2"/>
             </a:solidFill>
           </a:ln>
         </p:spPr>
@@ -8529,7 +9648,7 @@
           <p:nvPr/>
         </p:nvPicPr>
         <p:blipFill>
-          <a:blip r:embed="rId2">
+          <a:blip r:embed="rId3">
             <a:extLst>
               <a:ext uri="{28A0092B-C50C-407E-A947-70E740481C1C}">
                 <a14:useLocalDpi xmlns:a14="http://schemas.microsoft.com/office/drawing/2010/main" val="0"/>
@@ -8654,7 +9773,7 @@
           <p:nvPr/>
         </p:nvPicPr>
         <p:blipFill>
-          <a:blip r:embed="rId3"/>
+          <a:blip r:embed="rId4"/>
           <a:stretch>
             <a:fillRect/>
           </a:stretch>
@@ -8682,43 +9801,6 @@
             <a:extLst>
               <a:ext uri="{FF2B5EF4-FFF2-40B4-BE49-F238E27FC236}">
                 <a16:creationId xmlns:a16="http://schemas.microsoft.com/office/drawing/2014/main" id="{8BA4A75E-11C3-4E61-859E-D959319FC371}"/>
-              </a:ext>
-            </a:extLst>
-          </p:cNvPr>
-          <p:cNvPicPr>
-            <a:picLocks noChangeAspect="1"/>
-          </p:cNvPicPr>
-          <p:nvPr/>
-        </p:nvPicPr>
-        <p:blipFill>
-          <a:blip r:embed="rId4"/>
-          <a:stretch>
-            <a:fillRect/>
-          </a:stretch>
-        </p:blipFill>
-        <p:spPr>
-          <a:xfrm>
-            <a:off x="4643845" y="2003749"/>
-            <a:ext cx="3991804" cy="2463513"/>
-          </a:xfrm>
-          <a:prstGeom prst="rect">
-            <a:avLst/>
-          </a:prstGeom>
-          <a:ln>
-            <a:solidFill>
-              <a:schemeClr val="bg1">
-                <a:lumMod val="85000"/>
-              </a:schemeClr>
-            </a:solidFill>
-          </a:ln>
-        </p:spPr>
-      </p:pic>
-      <p:pic>
-        <p:nvPicPr>
-          <p:cNvPr id="9" name="Picture 8">
-            <a:extLst>
-              <a:ext uri="{FF2B5EF4-FFF2-40B4-BE49-F238E27FC236}">
-                <a16:creationId xmlns:a16="http://schemas.microsoft.com/office/drawing/2014/main" id="{5D8C289F-1029-4129-B6DD-6D06A8A1354B}"/>
               </a:ext>
             </a:extLst>
           </p:cNvPr>
@@ -8735,8 +9817,8 @@
         </p:blipFill>
         <p:spPr>
           <a:xfrm>
-            <a:off x="574876" y="4563826"/>
-            <a:ext cx="3491665" cy="2154856"/>
+            <a:off x="4643845" y="2003749"/>
+            <a:ext cx="3991804" cy="2463513"/>
           </a:xfrm>
           <a:prstGeom prst="rect">
             <a:avLst/>
@@ -8750,58 +9832,43 @@
           </a:ln>
         </p:spPr>
       </p:pic>
-      <p:sp>
-        <p:nvSpPr>
-          <p:cNvPr id="10" name="Rectangle 9">
+      <p:pic>
+        <p:nvPicPr>
+          <p:cNvPr id="9" name="Picture 8">
             <a:extLst>
               <a:ext uri="{FF2B5EF4-FFF2-40B4-BE49-F238E27FC236}">
-                <a16:creationId xmlns:a16="http://schemas.microsoft.com/office/drawing/2014/main" id="{3EF0971D-4611-4C3F-B811-A725DBF5CF2C}"/>
+                <a16:creationId xmlns:a16="http://schemas.microsoft.com/office/drawing/2014/main" id="{5D8C289F-1029-4129-B6DD-6D06A8A1354B}"/>
               </a:ext>
             </a:extLst>
           </p:cNvPr>
-          <p:cNvSpPr/>
+          <p:cNvPicPr>
+            <a:picLocks noChangeAspect="1"/>
+          </p:cNvPicPr>
           <p:nvPr/>
-        </p:nvSpPr>
-        <p:spPr>
-          <a:xfrm>
-            <a:off x="966973" y="2168953"/>
-            <a:ext cx="712697" cy="1260047"/>
+        </p:nvPicPr>
+        <p:blipFill>
+          <a:blip r:embed="rId6"/>
+          <a:stretch>
+            <a:fillRect/>
+          </a:stretch>
+        </p:blipFill>
+        <p:spPr>
+          <a:xfrm>
+            <a:off x="574876" y="4563826"/>
+            <a:ext cx="3491665" cy="2154856"/>
           </a:xfrm>
           <a:prstGeom prst="rect">
             <a:avLst/>
           </a:prstGeom>
-          <a:noFill/>
-          <a:ln w="19050">
+          <a:ln>
             <a:solidFill>
-              <a:schemeClr val="accent6"/>
+              <a:schemeClr val="bg1">
+                <a:lumMod val="85000"/>
+              </a:schemeClr>
             </a:solidFill>
           </a:ln>
         </p:spPr>
-        <p:style>
-          <a:lnRef idx="2">
-            <a:schemeClr val="accent1">
-              <a:shade val="50000"/>
-            </a:schemeClr>
-          </a:lnRef>
-          <a:fillRef idx="1">
-            <a:schemeClr val="accent1"/>
-          </a:fillRef>
-          <a:effectRef idx="0">
-            <a:schemeClr val="accent1"/>
-          </a:effectRef>
-          <a:fontRef idx="minor">
-            <a:schemeClr val="lt1"/>
-          </a:fontRef>
-        </p:style>
-        <p:txBody>
-          <a:bodyPr rtlCol="0" anchor="ctr"/>
-          <a:lstStyle/>
-          <a:p>
-            <a:pPr algn="ctr"/>
-            <a:endParaRPr lang="en-US"/>
-          </a:p>
-        </p:txBody>
-      </p:sp>
+      </p:pic>
       <p:sp>
         <p:nvSpPr>
           <p:cNvPr id="13" name="Rectangle 12">
@@ -9044,7 +10111,7 @@
           <p:nvPr/>
         </p:nvPicPr>
         <p:blipFill>
-          <a:blip r:embed="rId2">
+          <a:blip r:embed="rId3">
             <a:extLst>
               <a:ext uri="{28A0092B-C50C-407E-A947-70E740481C1C}">
                 <a14:useLocalDpi xmlns:a14="http://schemas.microsoft.com/office/drawing/2010/main" val="0"/>
@@ -9124,7 +10191,7 @@
           <p:nvPr/>
         </p:nvPicPr>
         <p:blipFill rotWithShape="1">
-          <a:blip r:embed="rId3"/>
+          <a:blip r:embed="rId4"/>
           <a:srcRect b="4811"/>
           <a:stretch/>
         </p:blipFill>
@@ -9718,7 +10785,7 @@
           <p:nvPr/>
         </p:nvPicPr>
         <p:blipFill>
-          <a:blip r:embed="rId2">
+          <a:blip r:embed="rId3">
             <a:extLst>
               <a:ext uri="{28A0092B-C50C-407E-A947-70E740481C1C}">
                 <a14:useLocalDpi xmlns:a14="http://schemas.microsoft.com/office/drawing/2010/main" val="0"/>
@@ -9854,7 +10921,7 @@
           <p:nvPr/>
         </p:nvPicPr>
         <p:blipFill>
-          <a:blip r:embed="rId3"/>
+          <a:blip r:embed="rId4"/>
           <a:stretch>
             <a:fillRect/>
           </a:stretch>
@@ -9891,7 +10958,7 @@
           <p:nvPr/>
         </p:nvPicPr>
         <p:blipFill>
-          <a:blip r:embed="rId4"/>
+          <a:blip r:embed="rId5"/>
           <a:stretch>
             <a:fillRect/>
           </a:stretch>
@@ -9934,6 +11001,58 @@
           <a:xfrm>
             <a:off x="948373" y="1877947"/>
             <a:ext cx="796255" cy="2223760"/>
+          </a:xfrm>
+          <a:prstGeom prst="rect">
+            <a:avLst/>
+          </a:prstGeom>
+          <a:noFill/>
+          <a:ln w="28575">
+            <a:solidFill>
+              <a:schemeClr val="accent2"/>
+            </a:solidFill>
+          </a:ln>
+        </p:spPr>
+        <p:style>
+          <a:lnRef idx="2">
+            <a:schemeClr val="accent1">
+              <a:shade val="50000"/>
+            </a:schemeClr>
+          </a:lnRef>
+          <a:fillRef idx="1">
+            <a:schemeClr val="accent1"/>
+          </a:fillRef>
+          <a:effectRef idx="0">
+            <a:schemeClr val="accent1"/>
+          </a:effectRef>
+          <a:fontRef idx="minor">
+            <a:schemeClr val="lt1"/>
+          </a:fontRef>
+        </p:style>
+        <p:txBody>
+          <a:bodyPr rtlCol="0" anchor="ctr"/>
+          <a:lstStyle/>
+          <a:p>
+            <a:pPr algn="ctr"/>
+            <a:endParaRPr lang="en-US"/>
+          </a:p>
+        </p:txBody>
+      </p:sp>
+      <p:sp>
+        <p:nvSpPr>
+          <p:cNvPr id="13" name="Rectangle 12">
+            <a:extLst>
+              <a:ext uri="{FF2B5EF4-FFF2-40B4-BE49-F238E27FC236}">
+                <a16:creationId xmlns:a16="http://schemas.microsoft.com/office/drawing/2014/main" id="{28A05B2E-F604-4629-BF09-5994B90DDB3E}"/>
+              </a:ext>
+            </a:extLst>
+          </p:cNvPr>
+          <p:cNvSpPr/>
+          <p:nvPr/>
+        </p:nvSpPr>
+        <p:spPr>
+          <a:xfrm>
+            <a:off x="574874" y="4591129"/>
+            <a:ext cx="719092" cy="1863234"/>
           </a:xfrm>
           <a:prstGeom prst="rect">
             <a:avLst/>
@@ -10108,7 +11227,7 @@
           <p:nvPr/>
         </p:nvPicPr>
         <p:blipFill>
-          <a:blip r:embed="rId2">
+          <a:blip r:embed="rId3">
             <a:extLst>
               <a:ext uri="{28A0092B-C50C-407E-A947-70E740481C1C}">
                 <a14:useLocalDpi xmlns:a14="http://schemas.microsoft.com/office/drawing/2010/main" val="0"/>
@@ -10244,7 +11363,7 @@
           <p:nvPr/>
         </p:nvPicPr>
         <p:blipFill>
-          <a:blip r:embed="rId3"/>
+          <a:blip r:embed="rId4"/>
           <a:stretch>
             <a:fillRect/>
           </a:stretch>
@@ -10281,7 +11400,7 @@
           <p:nvPr/>
         </p:nvPicPr>
         <p:blipFill>
-          <a:blip r:embed="rId4"/>
+          <a:blip r:embed="rId5"/>
           <a:stretch>
             <a:fillRect/>
           </a:stretch>
